--- a/@Papers/Papers_SUSS/RT_diagram.pptx
+++ b/@Papers/Papers_SUSS/RT_diagram.pptx
@@ -6,6 +6,9 @@
   </p:sldMasterIdLst>
   <p:sldIdLst>
     <p:sldId id="256" r:id="rId2"/>
+    <p:sldId id="257" r:id="rId3"/>
+    <p:sldId id="258" r:id="rId4"/>
+    <p:sldId id="259" r:id="rId5"/>
   </p:sldIdLst>
   <p:sldSz cx="12192000" cy="6858000"/>
   <p:notesSz cx="6858000" cy="9144000"/>
@@ -272,7 +275,7 @@
           <a:p>
             <a:fld id="{E88622D2-3CFA-47B2-A658-80A82F91756E}" type="datetimeFigureOut">
               <a:rPr lang="en-SG" smtClean="0"/>
-              <a:t>29/12/2022</a:t>
+              <a:t>4/1/2023</a:t>
             </a:fld>
             <a:endParaRPr lang="en-SG"/>
           </a:p>
@@ -472,7 +475,7 @@
           <a:p>
             <a:fld id="{E88622D2-3CFA-47B2-A658-80A82F91756E}" type="datetimeFigureOut">
               <a:rPr lang="en-SG" smtClean="0"/>
-              <a:t>29/12/2022</a:t>
+              <a:t>4/1/2023</a:t>
             </a:fld>
             <a:endParaRPr lang="en-SG"/>
           </a:p>
@@ -682,7 +685,7 @@
           <a:p>
             <a:fld id="{E88622D2-3CFA-47B2-A658-80A82F91756E}" type="datetimeFigureOut">
               <a:rPr lang="en-SG" smtClean="0"/>
-              <a:t>29/12/2022</a:t>
+              <a:t>4/1/2023</a:t>
             </a:fld>
             <a:endParaRPr lang="en-SG"/>
           </a:p>
@@ -882,7 +885,7 @@
           <a:p>
             <a:fld id="{E88622D2-3CFA-47B2-A658-80A82F91756E}" type="datetimeFigureOut">
               <a:rPr lang="en-SG" smtClean="0"/>
-              <a:t>29/12/2022</a:t>
+              <a:t>4/1/2023</a:t>
             </a:fld>
             <a:endParaRPr lang="en-SG"/>
           </a:p>
@@ -1158,7 +1161,7 @@
           <a:p>
             <a:fld id="{E88622D2-3CFA-47B2-A658-80A82F91756E}" type="datetimeFigureOut">
               <a:rPr lang="en-SG" smtClean="0"/>
-              <a:t>29/12/2022</a:t>
+              <a:t>4/1/2023</a:t>
             </a:fld>
             <a:endParaRPr lang="en-SG"/>
           </a:p>
@@ -1426,7 +1429,7 @@
           <a:p>
             <a:fld id="{E88622D2-3CFA-47B2-A658-80A82F91756E}" type="datetimeFigureOut">
               <a:rPr lang="en-SG" smtClean="0"/>
-              <a:t>29/12/2022</a:t>
+              <a:t>4/1/2023</a:t>
             </a:fld>
             <a:endParaRPr lang="en-SG"/>
           </a:p>
@@ -1841,7 +1844,7 @@
           <a:p>
             <a:fld id="{E88622D2-3CFA-47B2-A658-80A82F91756E}" type="datetimeFigureOut">
               <a:rPr lang="en-SG" smtClean="0"/>
-              <a:t>29/12/2022</a:t>
+              <a:t>4/1/2023</a:t>
             </a:fld>
             <a:endParaRPr lang="en-SG"/>
           </a:p>
@@ -1983,7 +1986,7 @@
           <a:p>
             <a:fld id="{E88622D2-3CFA-47B2-A658-80A82F91756E}" type="datetimeFigureOut">
               <a:rPr lang="en-SG" smtClean="0"/>
-              <a:t>29/12/2022</a:t>
+              <a:t>4/1/2023</a:t>
             </a:fld>
             <a:endParaRPr lang="en-SG"/>
           </a:p>
@@ -2096,7 +2099,7 @@
           <a:p>
             <a:fld id="{E88622D2-3CFA-47B2-A658-80A82F91756E}" type="datetimeFigureOut">
               <a:rPr lang="en-SG" smtClean="0"/>
-              <a:t>29/12/2022</a:t>
+              <a:t>4/1/2023</a:t>
             </a:fld>
             <a:endParaRPr lang="en-SG"/>
           </a:p>
@@ -2409,7 +2412,7 @@
           <a:p>
             <a:fld id="{E88622D2-3CFA-47B2-A658-80A82F91756E}" type="datetimeFigureOut">
               <a:rPr lang="en-SG" smtClean="0"/>
-              <a:t>29/12/2022</a:t>
+              <a:t>4/1/2023</a:t>
             </a:fld>
             <a:endParaRPr lang="en-SG"/>
           </a:p>
@@ -2698,7 +2701,7 @@
           <a:p>
             <a:fld id="{E88622D2-3CFA-47B2-A658-80A82F91756E}" type="datetimeFigureOut">
               <a:rPr lang="en-SG" smtClean="0"/>
-              <a:t>29/12/2022</a:t>
+              <a:t>4/1/2023</a:t>
             </a:fld>
             <a:endParaRPr lang="en-SG"/>
           </a:p>
@@ -2941,7 +2944,7 @@
           <a:p>
             <a:fld id="{E88622D2-3CFA-47B2-A658-80A82F91756E}" type="datetimeFigureOut">
               <a:rPr lang="en-SG" smtClean="0"/>
-              <a:t>29/12/2022</a:t>
+              <a:t>4/1/2023</a:t>
             </a:fld>
             <a:endParaRPr lang="en-SG"/>
           </a:p>
@@ -3895,6 +3898,1840 @@
 </p:sld>
 </file>
 
+<file path=ppt/slides/slide2.xml><?xml version="1.0" encoding="utf-8"?>
+<p:sld xmlns:a="http://schemas.openxmlformats.org/drawingml/2006/main" xmlns:r="http://schemas.openxmlformats.org/officeDocument/2006/relationships" xmlns:p="http://schemas.openxmlformats.org/presentationml/2006/main">
+  <p:cSld>
+    <p:spTree>
+      <p:nvGrpSpPr>
+        <p:cNvPr id="1" name=""/>
+        <p:cNvGrpSpPr/>
+        <p:nvPr/>
+      </p:nvGrpSpPr>
+      <p:grpSpPr>
+        <a:xfrm>
+          <a:off x="0" y="0"/>
+          <a:ext cx="0" cy="0"/>
+          <a:chOff x="0" y="0"/>
+          <a:chExt cx="0" cy="0"/>
+        </a:xfrm>
+      </p:grpSpPr>
+      <p:sp>
+        <p:nvSpPr>
+          <p:cNvPr id="4" name="Diamond 3">
+            <a:extLst>
+              <a:ext uri="{FF2B5EF4-FFF2-40B4-BE49-F238E27FC236}">
+                <a16:creationId xmlns:a16="http://schemas.microsoft.com/office/drawing/2014/main" id="{1A27F0E3-C512-006C-8861-A18FFC9BFDB8}"/>
+              </a:ext>
+            </a:extLst>
+          </p:cNvPr>
+          <p:cNvSpPr/>
+          <p:nvPr/>
+        </p:nvSpPr>
+        <p:spPr>
+          <a:xfrm>
+            <a:off x="67155" y="522515"/>
+            <a:ext cx="1323703" cy="792480"/>
+          </a:xfrm>
+          <a:prstGeom prst="diamond">
+            <a:avLst/>
+          </a:prstGeom>
+        </p:spPr>
+        <p:style>
+          <a:lnRef idx="1">
+            <a:schemeClr val="accent6"/>
+          </a:lnRef>
+          <a:fillRef idx="2">
+            <a:schemeClr val="accent6"/>
+          </a:fillRef>
+          <a:effectRef idx="1">
+            <a:schemeClr val="accent6"/>
+          </a:effectRef>
+          <a:fontRef idx="minor">
+            <a:schemeClr val="dk1"/>
+          </a:fontRef>
+        </p:style>
+        <p:txBody>
+          <a:bodyPr rtlCol="0" anchor="ctr"/>
+          <a:lstStyle/>
+          <a:p>
+            <a:pPr algn="ctr"/>
+            <a:r>
+              <a:rPr lang="en-US" sz="1600" dirty="0"/>
+              <a:t>Start</a:t>
+            </a:r>
+            <a:endParaRPr lang="en-SG" sz="1600" dirty="0"/>
+          </a:p>
+        </p:txBody>
+      </p:sp>
+      <p:sp>
+        <p:nvSpPr>
+          <p:cNvPr id="5" name="Arrow: Striped Right 4">
+            <a:extLst>
+              <a:ext uri="{FF2B5EF4-FFF2-40B4-BE49-F238E27FC236}">
+                <a16:creationId xmlns:a16="http://schemas.microsoft.com/office/drawing/2014/main" id="{9D628087-781F-767F-9304-00984D4A76D4}"/>
+              </a:ext>
+            </a:extLst>
+          </p:cNvPr>
+          <p:cNvSpPr/>
+          <p:nvPr/>
+        </p:nvSpPr>
+        <p:spPr>
+          <a:xfrm>
+            <a:off x="1456046" y="673138"/>
+            <a:ext cx="475758" cy="484632"/>
+          </a:xfrm>
+          <a:prstGeom prst="stripedRightArrow">
+            <a:avLst/>
+          </a:prstGeom>
+        </p:spPr>
+        <p:style>
+          <a:lnRef idx="1">
+            <a:schemeClr val="accent4"/>
+          </a:lnRef>
+          <a:fillRef idx="2">
+            <a:schemeClr val="accent4"/>
+          </a:fillRef>
+          <a:effectRef idx="1">
+            <a:schemeClr val="accent4"/>
+          </a:effectRef>
+          <a:fontRef idx="minor">
+            <a:schemeClr val="dk1"/>
+          </a:fontRef>
+        </p:style>
+        <p:txBody>
+          <a:bodyPr rtlCol="0" anchor="ctr"/>
+          <a:lstStyle/>
+          <a:p>
+            <a:pPr algn="ctr"/>
+            <a:endParaRPr lang="en-SG"/>
+          </a:p>
+        </p:txBody>
+      </p:sp>
+      <p:sp>
+        <p:nvSpPr>
+          <p:cNvPr id="7" name="Rectangle 6">
+            <a:extLst>
+              <a:ext uri="{FF2B5EF4-FFF2-40B4-BE49-F238E27FC236}">
+                <a16:creationId xmlns:a16="http://schemas.microsoft.com/office/drawing/2014/main" id="{6E0E8085-80BA-180D-4B15-418ADEAF168E}"/>
+              </a:ext>
+            </a:extLst>
+          </p:cNvPr>
+          <p:cNvSpPr/>
+          <p:nvPr/>
+        </p:nvSpPr>
+        <p:spPr>
+          <a:xfrm>
+            <a:off x="1982893" y="526284"/>
+            <a:ext cx="2075816" cy="789180"/>
+          </a:xfrm>
+          <a:prstGeom prst="rect">
+            <a:avLst/>
+          </a:prstGeom>
+        </p:spPr>
+        <p:style>
+          <a:lnRef idx="1">
+            <a:schemeClr val="accent4"/>
+          </a:lnRef>
+          <a:fillRef idx="2">
+            <a:schemeClr val="accent4"/>
+          </a:fillRef>
+          <a:effectRef idx="1">
+            <a:schemeClr val="accent4"/>
+          </a:effectRef>
+          <a:fontRef idx="minor">
+            <a:schemeClr val="dk1"/>
+          </a:fontRef>
+        </p:style>
+        <p:txBody>
+          <a:bodyPr rtlCol="0" anchor="ctr"/>
+          <a:lstStyle/>
+          <a:p>
+            <a:pPr algn="ctr"/>
+            <a:r>
+              <a:rPr lang="en-US" sz="1400" dirty="0"/>
+              <a:t>Inertia Plot for optimal cluster. Random Centroid selection</a:t>
+            </a:r>
+            <a:endParaRPr lang="en-SG" sz="1400" dirty="0"/>
+          </a:p>
+        </p:txBody>
+      </p:sp>
+      <p:sp>
+        <p:nvSpPr>
+          <p:cNvPr id="9" name="Rectangle 8">
+            <a:extLst>
+              <a:ext uri="{FF2B5EF4-FFF2-40B4-BE49-F238E27FC236}">
+                <a16:creationId xmlns:a16="http://schemas.microsoft.com/office/drawing/2014/main" id="{62D2C7AC-144D-A784-1AD9-C25DC851ED50}"/>
+              </a:ext>
+            </a:extLst>
+          </p:cNvPr>
+          <p:cNvSpPr/>
+          <p:nvPr/>
+        </p:nvSpPr>
+        <p:spPr>
+          <a:xfrm>
+            <a:off x="4649882" y="526284"/>
+            <a:ext cx="1965447" cy="789180"/>
+          </a:xfrm>
+          <a:prstGeom prst="rect">
+            <a:avLst/>
+          </a:prstGeom>
+        </p:spPr>
+        <p:style>
+          <a:lnRef idx="1">
+            <a:schemeClr val="accent4"/>
+          </a:lnRef>
+          <a:fillRef idx="2">
+            <a:schemeClr val="accent4"/>
+          </a:fillRef>
+          <a:effectRef idx="1">
+            <a:schemeClr val="accent4"/>
+          </a:effectRef>
+          <a:fontRef idx="minor">
+            <a:schemeClr val="dk1"/>
+          </a:fontRef>
+        </p:style>
+        <p:txBody>
+          <a:bodyPr rtlCol="0" anchor="ctr"/>
+          <a:lstStyle/>
+          <a:p>
+            <a:pPr algn="ctr"/>
+            <a:r>
+              <a:rPr lang="en-US" sz="1400" dirty="0"/>
+              <a:t>Measure Distance and Group points based on minimum distance to Centroid</a:t>
+            </a:r>
+            <a:endParaRPr lang="en-SG" sz="1400" dirty="0"/>
+          </a:p>
+        </p:txBody>
+      </p:sp>
+      <p:sp>
+        <p:nvSpPr>
+          <p:cNvPr id="11" name="Rectangle 10">
+            <a:extLst>
+              <a:ext uri="{FF2B5EF4-FFF2-40B4-BE49-F238E27FC236}">
+                <a16:creationId xmlns:a16="http://schemas.microsoft.com/office/drawing/2014/main" id="{71A49A34-096A-6D70-A6DB-243FAD807EB7}"/>
+              </a:ext>
+            </a:extLst>
+          </p:cNvPr>
+          <p:cNvSpPr/>
+          <p:nvPr/>
+        </p:nvSpPr>
+        <p:spPr>
+          <a:xfrm>
+            <a:off x="7205009" y="526284"/>
+            <a:ext cx="1278799" cy="789180"/>
+          </a:xfrm>
+          <a:prstGeom prst="rect">
+            <a:avLst/>
+          </a:prstGeom>
+        </p:spPr>
+        <p:style>
+          <a:lnRef idx="1">
+            <a:schemeClr val="accent4"/>
+          </a:lnRef>
+          <a:fillRef idx="2">
+            <a:schemeClr val="accent4"/>
+          </a:fillRef>
+          <a:effectRef idx="1">
+            <a:schemeClr val="accent4"/>
+          </a:effectRef>
+          <a:fontRef idx="minor">
+            <a:schemeClr val="dk1"/>
+          </a:fontRef>
+        </p:style>
+        <p:txBody>
+          <a:bodyPr rtlCol="0" anchor="ctr"/>
+          <a:lstStyle/>
+          <a:p>
+            <a:pPr algn="ctr"/>
+            <a:r>
+              <a:rPr lang="en-US" sz="1400" dirty="0"/>
+              <a:t>Redetermine centroid</a:t>
+            </a:r>
+            <a:endParaRPr lang="en-SG" sz="1400" dirty="0"/>
+          </a:p>
+        </p:txBody>
+      </p:sp>
+      <p:sp>
+        <p:nvSpPr>
+          <p:cNvPr id="12" name="Diamond 11">
+            <a:extLst>
+              <a:ext uri="{FF2B5EF4-FFF2-40B4-BE49-F238E27FC236}">
+                <a16:creationId xmlns:a16="http://schemas.microsoft.com/office/drawing/2014/main" id="{D0E3796E-B460-DCA8-54DE-EBB9673DB3F5}"/>
+              </a:ext>
+            </a:extLst>
+          </p:cNvPr>
+          <p:cNvSpPr/>
+          <p:nvPr/>
+        </p:nvSpPr>
+        <p:spPr>
+          <a:xfrm>
+            <a:off x="10691865" y="519215"/>
+            <a:ext cx="1323703" cy="792480"/>
+          </a:xfrm>
+          <a:prstGeom prst="diamond">
+            <a:avLst/>
+          </a:prstGeom>
+        </p:spPr>
+        <p:style>
+          <a:lnRef idx="1">
+            <a:schemeClr val="accent5"/>
+          </a:lnRef>
+          <a:fillRef idx="2">
+            <a:schemeClr val="accent5"/>
+          </a:fillRef>
+          <a:effectRef idx="1">
+            <a:schemeClr val="accent5"/>
+          </a:effectRef>
+          <a:fontRef idx="minor">
+            <a:schemeClr val="dk1"/>
+          </a:fontRef>
+        </p:style>
+        <p:txBody>
+          <a:bodyPr rtlCol="0" anchor="ctr"/>
+          <a:lstStyle/>
+          <a:p>
+            <a:pPr algn="ctr"/>
+            <a:r>
+              <a:rPr lang="en-US" sz="1600" dirty="0"/>
+              <a:t>End</a:t>
+            </a:r>
+            <a:endParaRPr lang="en-SG" sz="1600" dirty="0"/>
+          </a:p>
+        </p:txBody>
+      </p:sp>
+      <p:sp>
+        <p:nvSpPr>
+          <p:cNvPr id="13" name="Flowchart: Terminator 12">
+            <a:extLst>
+              <a:ext uri="{FF2B5EF4-FFF2-40B4-BE49-F238E27FC236}">
+                <a16:creationId xmlns:a16="http://schemas.microsoft.com/office/drawing/2014/main" id="{9001A018-120F-3605-2B28-D5BC935E0144}"/>
+              </a:ext>
+            </a:extLst>
+          </p:cNvPr>
+          <p:cNvSpPr/>
+          <p:nvPr/>
+        </p:nvSpPr>
+        <p:spPr>
+          <a:xfrm>
+            <a:off x="9073487" y="526284"/>
+            <a:ext cx="1028700" cy="785411"/>
+          </a:xfrm>
+          <a:prstGeom prst="flowChartTerminator">
+            <a:avLst/>
+          </a:prstGeom>
+        </p:spPr>
+        <p:style>
+          <a:lnRef idx="1">
+            <a:schemeClr val="accent2"/>
+          </a:lnRef>
+          <a:fillRef idx="2">
+            <a:schemeClr val="accent2"/>
+          </a:fillRef>
+          <a:effectRef idx="1">
+            <a:schemeClr val="accent2"/>
+          </a:effectRef>
+          <a:fontRef idx="minor">
+            <a:schemeClr val="dk1"/>
+          </a:fontRef>
+        </p:style>
+        <p:txBody>
+          <a:bodyPr rtlCol="0" anchor="ctr"/>
+          <a:lstStyle/>
+          <a:p>
+            <a:pPr algn="ctr"/>
+            <a:r>
+              <a:rPr lang="en-US" sz="1400" dirty="0"/>
+              <a:t>Are Clusters Stable?</a:t>
+            </a:r>
+            <a:endParaRPr lang="en-SG" sz="1400" dirty="0"/>
+          </a:p>
+        </p:txBody>
+      </p:sp>
+      <p:sp>
+        <p:nvSpPr>
+          <p:cNvPr id="14" name="Arrow: Striped Right 13">
+            <a:extLst>
+              <a:ext uri="{FF2B5EF4-FFF2-40B4-BE49-F238E27FC236}">
+                <a16:creationId xmlns:a16="http://schemas.microsoft.com/office/drawing/2014/main" id="{A595924E-EF65-AE08-86B4-C6F9A01EEA5A}"/>
+              </a:ext>
+            </a:extLst>
+          </p:cNvPr>
+          <p:cNvSpPr/>
+          <p:nvPr/>
+        </p:nvSpPr>
+        <p:spPr>
+          <a:xfrm>
+            <a:off x="4123214" y="655905"/>
+            <a:ext cx="475758" cy="484632"/>
+          </a:xfrm>
+          <a:prstGeom prst="stripedRightArrow">
+            <a:avLst/>
+          </a:prstGeom>
+        </p:spPr>
+        <p:style>
+          <a:lnRef idx="1">
+            <a:schemeClr val="accent4"/>
+          </a:lnRef>
+          <a:fillRef idx="2">
+            <a:schemeClr val="accent4"/>
+          </a:fillRef>
+          <a:effectRef idx="1">
+            <a:schemeClr val="accent4"/>
+          </a:effectRef>
+          <a:fontRef idx="minor">
+            <a:schemeClr val="dk1"/>
+          </a:fontRef>
+        </p:style>
+        <p:txBody>
+          <a:bodyPr rtlCol="0" anchor="ctr"/>
+          <a:lstStyle/>
+          <a:p>
+            <a:pPr algn="ctr"/>
+            <a:endParaRPr lang="en-SG"/>
+          </a:p>
+        </p:txBody>
+      </p:sp>
+      <p:sp>
+        <p:nvSpPr>
+          <p:cNvPr id="15" name="Arrow: Striped Right 14">
+            <a:extLst>
+              <a:ext uri="{FF2B5EF4-FFF2-40B4-BE49-F238E27FC236}">
+                <a16:creationId xmlns:a16="http://schemas.microsoft.com/office/drawing/2014/main" id="{42BA1B51-E4B4-C54D-69C1-B9DB426DB546}"/>
+              </a:ext>
+            </a:extLst>
+          </p:cNvPr>
+          <p:cNvSpPr/>
+          <p:nvPr/>
+        </p:nvSpPr>
+        <p:spPr>
+          <a:xfrm>
+            <a:off x="6672290" y="701169"/>
+            <a:ext cx="475758" cy="484632"/>
+          </a:xfrm>
+          <a:prstGeom prst="stripedRightArrow">
+            <a:avLst/>
+          </a:prstGeom>
+        </p:spPr>
+        <p:style>
+          <a:lnRef idx="1">
+            <a:schemeClr val="accent4"/>
+          </a:lnRef>
+          <a:fillRef idx="2">
+            <a:schemeClr val="accent4"/>
+          </a:fillRef>
+          <a:effectRef idx="1">
+            <a:schemeClr val="accent4"/>
+          </a:effectRef>
+          <a:fontRef idx="minor">
+            <a:schemeClr val="dk1"/>
+          </a:fontRef>
+        </p:style>
+        <p:txBody>
+          <a:bodyPr rtlCol="0" anchor="ctr"/>
+          <a:lstStyle/>
+          <a:p>
+            <a:pPr algn="ctr"/>
+            <a:endParaRPr lang="en-SG"/>
+          </a:p>
+        </p:txBody>
+      </p:sp>
+      <p:sp>
+        <p:nvSpPr>
+          <p:cNvPr id="16" name="Arrow: Striped Right 15">
+            <a:extLst>
+              <a:ext uri="{FF2B5EF4-FFF2-40B4-BE49-F238E27FC236}">
+                <a16:creationId xmlns:a16="http://schemas.microsoft.com/office/drawing/2014/main" id="{A9DB7053-093D-B1B4-C248-C5E199857FDE}"/>
+              </a:ext>
+            </a:extLst>
+          </p:cNvPr>
+          <p:cNvSpPr/>
+          <p:nvPr/>
+        </p:nvSpPr>
+        <p:spPr>
+          <a:xfrm>
+            <a:off x="8540769" y="674779"/>
+            <a:ext cx="475758" cy="484632"/>
+          </a:xfrm>
+          <a:prstGeom prst="stripedRightArrow">
+            <a:avLst/>
+          </a:prstGeom>
+        </p:spPr>
+        <p:style>
+          <a:lnRef idx="1">
+            <a:schemeClr val="accent2"/>
+          </a:lnRef>
+          <a:fillRef idx="2">
+            <a:schemeClr val="accent2"/>
+          </a:fillRef>
+          <a:effectRef idx="1">
+            <a:schemeClr val="accent2"/>
+          </a:effectRef>
+          <a:fontRef idx="minor">
+            <a:schemeClr val="dk1"/>
+          </a:fontRef>
+        </p:style>
+        <p:txBody>
+          <a:bodyPr rtlCol="0" anchor="ctr"/>
+          <a:lstStyle/>
+          <a:p>
+            <a:pPr algn="ctr"/>
+            <a:endParaRPr lang="en-SG"/>
+          </a:p>
+        </p:txBody>
+      </p:sp>
+      <p:sp>
+        <p:nvSpPr>
+          <p:cNvPr id="17" name="Arrow: Striped Right 16">
+            <a:extLst>
+              <a:ext uri="{FF2B5EF4-FFF2-40B4-BE49-F238E27FC236}">
+                <a16:creationId xmlns:a16="http://schemas.microsoft.com/office/drawing/2014/main" id="{63B416BD-DB5F-F00C-5508-85AD42EFA7F6}"/>
+              </a:ext>
+            </a:extLst>
+          </p:cNvPr>
+          <p:cNvSpPr/>
+          <p:nvPr/>
+        </p:nvSpPr>
+        <p:spPr>
+          <a:xfrm>
+            <a:off x="10159147" y="673138"/>
+            <a:ext cx="475758" cy="484632"/>
+          </a:xfrm>
+          <a:prstGeom prst="stripedRightArrow">
+            <a:avLst/>
+          </a:prstGeom>
+        </p:spPr>
+        <p:style>
+          <a:lnRef idx="1">
+            <a:schemeClr val="accent6"/>
+          </a:lnRef>
+          <a:fillRef idx="2">
+            <a:schemeClr val="accent6"/>
+          </a:fillRef>
+          <a:effectRef idx="1">
+            <a:schemeClr val="accent6"/>
+          </a:effectRef>
+          <a:fontRef idx="minor">
+            <a:schemeClr val="dk1"/>
+          </a:fontRef>
+        </p:style>
+        <p:txBody>
+          <a:bodyPr rtlCol="0" anchor="ctr"/>
+          <a:lstStyle/>
+          <a:p>
+            <a:pPr algn="ctr"/>
+            <a:endParaRPr lang="en-SG"/>
+          </a:p>
+        </p:txBody>
+      </p:sp>
+      <p:sp>
+        <p:nvSpPr>
+          <p:cNvPr id="18" name="TextBox 17">
+            <a:extLst>
+              <a:ext uri="{FF2B5EF4-FFF2-40B4-BE49-F238E27FC236}">
+                <a16:creationId xmlns:a16="http://schemas.microsoft.com/office/drawing/2014/main" id="{A9ED1510-1B8F-20FD-D118-9286DB6444B9}"/>
+              </a:ext>
+            </a:extLst>
+          </p:cNvPr>
+          <p:cNvSpPr txBox="1"/>
+          <p:nvPr/>
+        </p:nvSpPr>
+        <p:spPr>
+          <a:xfrm>
+            <a:off x="10067611" y="337849"/>
+            <a:ext cx="624254" cy="369332"/>
+          </a:xfrm>
+          <a:prstGeom prst="rect">
+            <a:avLst/>
+          </a:prstGeom>
+          <a:noFill/>
+        </p:spPr>
+        <p:txBody>
+          <a:bodyPr wrap="square" rtlCol="0">
+            <a:spAutoFit/>
+          </a:bodyPr>
+          <a:lstStyle/>
+          <a:p>
+            <a:pPr algn="ctr"/>
+            <a:r>
+              <a:rPr lang="en-US" dirty="0">
+                <a:solidFill>
+                  <a:srgbClr val="00B050"/>
+                </a:solidFill>
+              </a:rPr>
+              <a:t>Yes</a:t>
+            </a:r>
+            <a:endParaRPr lang="en-SG" dirty="0">
+              <a:solidFill>
+                <a:srgbClr val="00B050"/>
+              </a:solidFill>
+            </a:endParaRPr>
+          </a:p>
+        </p:txBody>
+      </p:sp>
+      <p:cxnSp>
+        <p:nvCxnSpPr>
+          <p:cNvPr id="20" name="Connector: Elbow 19">
+            <a:extLst>
+              <a:ext uri="{FF2B5EF4-FFF2-40B4-BE49-F238E27FC236}">
+                <a16:creationId xmlns:a16="http://schemas.microsoft.com/office/drawing/2014/main" id="{FD6B8BF8-41FE-B6A1-46D5-230140B50E0A}"/>
+              </a:ext>
+            </a:extLst>
+          </p:cNvPr>
+          <p:cNvCxnSpPr>
+            <a:cxnSpLocks/>
+            <a:stCxn id="13" idx="2"/>
+            <a:endCxn id="9" idx="2"/>
+          </p:cNvCxnSpPr>
+          <p:nvPr/>
+        </p:nvCxnSpPr>
+        <p:spPr>
+          <a:xfrm rot="5400000">
+            <a:off x="7608338" y="-664036"/>
+            <a:ext cx="3769" cy="3955231"/>
+          </a:xfrm>
+          <a:prstGeom prst="bentConnector3">
+            <a:avLst>
+              <a:gd name="adj1" fmla="val 10852083"/>
+            </a:avLst>
+          </a:prstGeom>
+          <a:ln w="41275">
+            <a:prstDash val="lgDash"/>
+            <a:tailEnd type="triangle" w="lg" len="lg"/>
+          </a:ln>
+        </p:spPr>
+        <p:style>
+          <a:lnRef idx="3">
+            <a:schemeClr val="accent2"/>
+          </a:lnRef>
+          <a:fillRef idx="0">
+            <a:schemeClr val="accent2"/>
+          </a:fillRef>
+          <a:effectRef idx="2">
+            <a:schemeClr val="accent2"/>
+          </a:effectRef>
+          <a:fontRef idx="minor">
+            <a:schemeClr val="tx1"/>
+          </a:fontRef>
+        </p:style>
+      </p:cxnSp>
+      <p:sp>
+        <p:nvSpPr>
+          <p:cNvPr id="23" name="TextBox 22">
+            <a:extLst>
+              <a:ext uri="{FF2B5EF4-FFF2-40B4-BE49-F238E27FC236}">
+                <a16:creationId xmlns:a16="http://schemas.microsoft.com/office/drawing/2014/main" id="{5275B43B-E05E-CE97-56A2-FCBC3BB2F425}"/>
+              </a:ext>
+            </a:extLst>
+          </p:cNvPr>
+          <p:cNvSpPr txBox="1"/>
+          <p:nvPr/>
+        </p:nvSpPr>
+        <p:spPr>
+          <a:xfrm>
+            <a:off x="7396207" y="1324716"/>
+            <a:ext cx="624254" cy="369332"/>
+          </a:xfrm>
+          <a:prstGeom prst="rect">
+            <a:avLst/>
+          </a:prstGeom>
+          <a:noFill/>
+        </p:spPr>
+        <p:txBody>
+          <a:bodyPr wrap="square" rtlCol="0">
+            <a:spAutoFit/>
+          </a:bodyPr>
+          <a:lstStyle/>
+          <a:p>
+            <a:pPr algn="ctr"/>
+            <a:r>
+              <a:rPr lang="en-US" dirty="0">
+                <a:solidFill>
+                  <a:srgbClr val="FF0000"/>
+                </a:solidFill>
+              </a:rPr>
+              <a:t>No</a:t>
+            </a:r>
+            <a:endParaRPr lang="en-SG" dirty="0">
+              <a:solidFill>
+                <a:srgbClr val="FF0000"/>
+              </a:solidFill>
+            </a:endParaRPr>
+          </a:p>
+        </p:txBody>
+      </p:sp>
+      <p:sp>
+        <p:nvSpPr>
+          <p:cNvPr id="28" name="TextBox 27">
+            <a:extLst>
+              <a:ext uri="{FF2B5EF4-FFF2-40B4-BE49-F238E27FC236}">
+                <a16:creationId xmlns:a16="http://schemas.microsoft.com/office/drawing/2014/main" id="{75CE26F4-D894-8ABF-1384-94A8705153F2}"/>
+              </a:ext>
+            </a:extLst>
+          </p:cNvPr>
+          <p:cNvSpPr txBox="1"/>
+          <p:nvPr/>
+        </p:nvSpPr>
+        <p:spPr>
+          <a:xfrm>
+            <a:off x="0" y="6488668"/>
+            <a:ext cx="939681" cy="369332"/>
+          </a:xfrm>
+          <a:prstGeom prst="rect">
+            <a:avLst/>
+          </a:prstGeom>
+          <a:noFill/>
+        </p:spPr>
+        <p:txBody>
+          <a:bodyPr wrap="none" rtlCol="0">
+            <a:spAutoFit/>
+          </a:bodyPr>
+          <a:lstStyle/>
+          <a:p>
+            <a:r>
+              <a:rPr lang="en-US" dirty="0" err="1"/>
+              <a:t>KMeans</a:t>
+            </a:r>
+            <a:endParaRPr lang="en-SG" dirty="0"/>
+          </a:p>
+        </p:txBody>
+      </p:sp>
+    </p:spTree>
+    <p:extLst>
+      <p:ext uri="{BB962C8B-B14F-4D97-AF65-F5344CB8AC3E}">
+        <p14:creationId xmlns:p14="http://schemas.microsoft.com/office/powerpoint/2010/main" val="1384437332"/>
+      </p:ext>
+    </p:extLst>
+  </p:cSld>
+  <p:clrMapOvr>
+    <a:masterClrMapping/>
+  </p:clrMapOvr>
+</p:sld>
+</file>
+
+<file path=ppt/slides/slide3.xml><?xml version="1.0" encoding="utf-8"?>
+<p:sld xmlns:a="http://schemas.openxmlformats.org/drawingml/2006/main" xmlns:r="http://schemas.openxmlformats.org/officeDocument/2006/relationships" xmlns:p="http://schemas.openxmlformats.org/presentationml/2006/main">
+  <p:cSld>
+    <p:spTree>
+      <p:nvGrpSpPr>
+        <p:cNvPr id="1" name=""/>
+        <p:cNvGrpSpPr/>
+        <p:nvPr/>
+      </p:nvGrpSpPr>
+      <p:grpSpPr>
+        <a:xfrm>
+          <a:off x="0" y="0"/>
+          <a:ext cx="0" cy="0"/>
+          <a:chOff x="0" y="0"/>
+          <a:chExt cx="0" cy="0"/>
+        </a:xfrm>
+      </p:grpSpPr>
+      <p:sp>
+        <p:nvSpPr>
+          <p:cNvPr id="4" name="Diamond 3">
+            <a:extLst>
+              <a:ext uri="{FF2B5EF4-FFF2-40B4-BE49-F238E27FC236}">
+                <a16:creationId xmlns:a16="http://schemas.microsoft.com/office/drawing/2014/main" id="{1A27F0E3-C512-006C-8861-A18FFC9BFDB8}"/>
+              </a:ext>
+            </a:extLst>
+          </p:cNvPr>
+          <p:cNvSpPr/>
+          <p:nvPr/>
+        </p:nvSpPr>
+        <p:spPr>
+          <a:xfrm>
+            <a:off x="119820" y="523443"/>
+            <a:ext cx="1323703" cy="792480"/>
+          </a:xfrm>
+          <a:prstGeom prst="diamond">
+            <a:avLst/>
+          </a:prstGeom>
+        </p:spPr>
+        <p:style>
+          <a:lnRef idx="1">
+            <a:schemeClr val="accent6"/>
+          </a:lnRef>
+          <a:fillRef idx="2">
+            <a:schemeClr val="accent6"/>
+          </a:fillRef>
+          <a:effectRef idx="1">
+            <a:schemeClr val="accent6"/>
+          </a:effectRef>
+          <a:fontRef idx="minor">
+            <a:schemeClr val="dk1"/>
+          </a:fontRef>
+        </p:style>
+        <p:txBody>
+          <a:bodyPr rtlCol="0" anchor="ctr"/>
+          <a:lstStyle/>
+          <a:p>
+            <a:pPr algn="ctr"/>
+            <a:r>
+              <a:rPr lang="en-US" sz="1600" dirty="0"/>
+              <a:t>Start</a:t>
+            </a:r>
+            <a:endParaRPr lang="en-SG" sz="1600" dirty="0"/>
+          </a:p>
+        </p:txBody>
+      </p:sp>
+      <p:sp>
+        <p:nvSpPr>
+          <p:cNvPr id="5" name="Arrow: Striped Right 4">
+            <a:extLst>
+              <a:ext uri="{FF2B5EF4-FFF2-40B4-BE49-F238E27FC236}">
+                <a16:creationId xmlns:a16="http://schemas.microsoft.com/office/drawing/2014/main" id="{9D628087-781F-767F-9304-00984D4A76D4}"/>
+              </a:ext>
+            </a:extLst>
+          </p:cNvPr>
+          <p:cNvSpPr/>
+          <p:nvPr/>
+        </p:nvSpPr>
+        <p:spPr>
+          <a:xfrm>
+            <a:off x="1508711" y="674066"/>
+            <a:ext cx="475758" cy="484632"/>
+          </a:xfrm>
+          <a:prstGeom prst="stripedRightArrow">
+            <a:avLst/>
+          </a:prstGeom>
+        </p:spPr>
+        <p:style>
+          <a:lnRef idx="1">
+            <a:schemeClr val="accent4"/>
+          </a:lnRef>
+          <a:fillRef idx="2">
+            <a:schemeClr val="accent4"/>
+          </a:fillRef>
+          <a:effectRef idx="1">
+            <a:schemeClr val="accent4"/>
+          </a:effectRef>
+          <a:fontRef idx="minor">
+            <a:schemeClr val="dk1"/>
+          </a:fontRef>
+        </p:style>
+        <p:txBody>
+          <a:bodyPr rtlCol="0" anchor="ctr"/>
+          <a:lstStyle/>
+          <a:p>
+            <a:pPr algn="ctr"/>
+            <a:endParaRPr lang="en-SG"/>
+          </a:p>
+        </p:txBody>
+      </p:sp>
+      <p:sp>
+        <p:nvSpPr>
+          <p:cNvPr id="7" name="Rectangle 6">
+            <a:extLst>
+              <a:ext uri="{FF2B5EF4-FFF2-40B4-BE49-F238E27FC236}">
+                <a16:creationId xmlns:a16="http://schemas.microsoft.com/office/drawing/2014/main" id="{6E0E8085-80BA-180D-4B15-418ADEAF168E}"/>
+              </a:ext>
+            </a:extLst>
+          </p:cNvPr>
+          <p:cNvSpPr/>
+          <p:nvPr/>
+        </p:nvSpPr>
+        <p:spPr>
+          <a:xfrm>
+            <a:off x="2026855" y="517491"/>
+            <a:ext cx="2066094" cy="789180"/>
+          </a:xfrm>
+          <a:prstGeom prst="rect">
+            <a:avLst/>
+          </a:prstGeom>
+        </p:spPr>
+        <p:style>
+          <a:lnRef idx="1">
+            <a:schemeClr val="accent4"/>
+          </a:lnRef>
+          <a:fillRef idx="2">
+            <a:schemeClr val="accent4"/>
+          </a:fillRef>
+          <a:effectRef idx="1">
+            <a:schemeClr val="accent4"/>
+          </a:effectRef>
+          <a:fontRef idx="minor">
+            <a:schemeClr val="dk1"/>
+          </a:fontRef>
+        </p:style>
+        <p:txBody>
+          <a:bodyPr rtlCol="0" anchor="ctr"/>
+          <a:lstStyle/>
+          <a:p>
+            <a:pPr algn="ctr"/>
+            <a:r>
+              <a:rPr lang="en-US" sz="1400" dirty="0"/>
+              <a:t>SOM </a:t>
+            </a:r>
+          </a:p>
+          <a:p>
+            <a:pPr algn="ctr"/>
+            <a:r>
+              <a:rPr lang="en-US" sz="1400" dirty="0"/>
+              <a:t>(grid size, sigma, learning rate iteratively </a:t>
+            </a:r>
+            <a:r>
+              <a:rPr lang="en-US" sz="1400" dirty="0" err="1"/>
+              <a:t>optimised</a:t>
+            </a:r>
+            <a:r>
+              <a:rPr lang="en-US" sz="1400" dirty="0"/>
+              <a:t>)</a:t>
+            </a:r>
+            <a:endParaRPr lang="en-SG" sz="1400" dirty="0"/>
+          </a:p>
+        </p:txBody>
+      </p:sp>
+      <p:sp>
+        <p:nvSpPr>
+          <p:cNvPr id="9" name="Rectangle 8">
+            <a:extLst>
+              <a:ext uri="{FF2B5EF4-FFF2-40B4-BE49-F238E27FC236}">
+                <a16:creationId xmlns:a16="http://schemas.microsoft.com/office/drawing/2014/main" id="{62D2C7AC-144D-A784-1AD9-C25DC851ED50}"/>
+              </a:ext>
+            </a:extLst>
+          </p:cNvPr>
+          <p:cNvSpPr/>
+          <p:nvPr/>
+        </p:nvSpPr>
+        <p:spPr>
+          <a:xfrm>
+            <a:off x="4693844" y="517491"/>
+            <a:ext cx="1619033" cy="789180"/>
+          </a:xfrm>
+          <a:prstGeom prst="rect">
+            <a:avLst/>
+          </a:prstGeom>
+        </p:spPr>
+        <p:style>
+          <a:lnRef idx="1">
+            <a:schemeClr val="accent4"/>
+          </a:lnRef>
+          <a:fillRef idx="2">
+            <a:schemeClr val="accent4"/>
+          </a:fillRef>
+          <a:effectRef idx="1">
+            <a:schemeClr val="accent4"/>
+          </a:effectRef>
+          <a:fontRef idx="minor">
+            <a:schemeClr val="dk1"/>
+          </a:fontRef>
+        </p:style>
+        <p:txBody>
+          <a:bodyPr rtlCol="0" anchor="ctr"/>
+          <a:lstStyle/>
+          <a:p>
+            <a:pPr algn="ctr"/>
+            <a:r>
+              <a:rPr lang="en-US" sz="1400" dirty="0"/>
+              <a:t>Identify neurons and classify </a:t>
+            </a:r>
+            <a:r>
+              <a:rPr lang="en-US" sz="1400" dirty="0" err="1"/>
+              <a:t>neighbouring</a:t>
+            </a:r>
+            <a:r>
+              <a:rPr lang="en-US" sz="1400" dirty="0"/>
+              <a:t> data</a:t>
+            </a:r>
+            <a:endParaRPr lang="en-SG" sz="1400" dirty="0"/>
+          </a:p>
+        </p:txBody>
+      </p:sp>
+      <p:sp>
+        <p:nvSpPr>
+          <p:cNvPr id="11" name="Rectangle 10">
+            <a:extLst>
+              <a:ext uri="{FF2B5EF4-FFF2-40B4-BE49-F238E27FC236}">
+                <a16:creationId xmlns:a16="http://schemas.microsoft.com/office/drawing/2014/main" id="{71A49A34-096A-6D70-A6DB-243FAD807EB7}"/>
+              </a:ext>
+            </a:extLst>
+          </p:cNvPr>
+          <p:cNvSpPr/>
+          <p:nvPr/>
+        </p:nvSpPr>
+        <p:spPr>
+          <a:xfrm>
+            <a:off x="6911572" y="517490"/>
+            <a:ext cx="1085150" cy="789180"/>
+          </a:xfrm>
+          <a:prstGeom prst="rect">
+            <a:avLst/>
+          </a:prstGeom>
+        </p:spPr>
+        <p:style>
+          <a:lnRef idx="1">
+            <a:schemeClr val="accent4"/>
+          </a:lnRef>
+          <a:fillRef idx="2">
+            <a:schemeClr val="accent4"/>
+          </a:fillRef>
+          <a:effectRef idx="1">
+            <a:schemeClr val="accent4"/>
+          </a:effectRef>
+          <a:fontRef idx="minor">
+            <a:schemeClr val="dk1"/>
+          </a:fontRef>
+        </p:style>
+        <p:txBody>
+          <a:bodyPr rtlCol="0" anchor="ctr"/>
+          <a:lstStyle/>
+          <a:p>
+            <a:pPr algn="ctr"/>
+            <a:r>
+              <a:rPr lang="en-US" sz="1400" dirty="0"/>
+              <a:t>Dissimilarity Matrix</a:t>
+            </a:r>
+            <a:endParaRPr lang="en-SG" sz="1400" dirty="0"/>
+          </a:p>
+        </p:txBody>
+      </p:sp>
+      <p:sp>
+        <p:nvSpPr>
+          <p:cNvPr id="12" name="Diamond 11">
+            <a:extLst>
+              <a:ext uri="{FF2B5EF4-FFF2-40B4-BE49-F238E27FC236}">
+                <a16:creationId xmlns:a16="http://schemas.microsoft.com/office/drawing/2014/main" id="{D0E3796E-B460-DCA8-54DE-EBB9673DB3F5}"/>
+              </a:ext>
+            </a:extLst>
+          </p:cNvPr>
+          <p:cNvSpPr/>
+          <p:nvPr/>
+        </p:nvSpPr>
+        <p:spPr>
+          <a:xfrm>
+            <a:off x="10748477" y="525886"/>
+            <a:ext cx="1323703" cy="792480"/>
+          </a:xfrm>
+          <a:prstGeom prst="diamond">
+            <a:avLst/>
+          </a:prstGeom>
+        </p:spPr>
+        <p:style>
+          <a:lnRef idx="1">
+            <a:schemeClr val="accent5"/>
+          </a:lnRef>
+          <a:fillRef idx="2">
+            <a:schemeClr val="accent5"/>
+          </a:fillRef>
+          <a:effectRef idx="1">
+            <a:schemeClr val="accent5"/>
+          </a:effectRef>
+          <a:fontRef idx="minor">
+            <a:schemeClr val="dk1"/>
+          </a:fontRef>
+        </p:style>
+        <p:txBody>
+          <a:bodyPr rtlCol="0" anchor="ctr"/>
+          <a:lstStyle/>
+          <a:p>
+            <a:pPr algn="ctr"/>
+            <a:r>
+              <a:rPr lang="en-US" sz="1600" dirty="0"/>
+              <a:t>End</a:t>
+            </a:r>
+            <a:endParaRPr lang="en-SG" sz="1600" dirty="0"/>
+          </a:p>
+        </p:txBody>
+      </p:sp>
+      <p:sp>
+        <p:nvSpPr>
+          <p:cNvPr id="13" name="Flowchart: Terminator 12">
+            <a:extLst>
+              <a:ext uri="{FF2B5EF4-FFF2-40B4-BE49-F238E27FC236}">
+                <a16:creationId xmlns:a16="http://schemas.microsoft.com/office/drawing/2014/main" id="{9001A018-120F-3605-2B28-D5BC935E0144}"/>
+              </a:ext>
+            </a:extLst>
+          </p:cNvPr>
+          <p:cNvSpPr/>
+          <p:nvPr/>
+        </p:nvSpPr>
+        <p:spPr>
+          <a:xfrm>
+            <a:off x="8609588" y="519375"/>
+            <a:ext cx="1503595" cy="785411"/>
+          </a:xfrm>
+          <a:prstGeom prst="flowChartTerminator">
+            <a:avLst/>
+          </a:prstGeom>
+        </p:spPr>
+        <p:style>
+          <a:lnRef idx="1">
+            <a:schemeClr val="accent2"/>
+          </a:lnRef>
+          <a:fillRef idx="2">
+            <a:schemeClr val="accent2"/>
+          </a:fillRef>
+          <a:effectRef idx="1">
+            <a:schemeClr val="accent2"/>
+          </a:effectRef>
+          <a:fontRef idx="minor">
+            <a:schemeClr val="dk1"/>
+          </a:fontRef>
+        </p:style>
+        <p:txBody>
+          <a:bodyPr rtlCol="0" anchor="ctr"/>
+          <a:lstStyle/>
+          <a:p>
+            <a:pPr algn="ctr"/>
+            <a:r>
+              <a:rPr lang="en-US" sz="1400" dirty="0" err="1"/>
+              <a:t>Optimise</a:t>
+            </a:r>
+            <a:r>
+              <a:rPr lang="en-US" sz="1400" dirty="0"/>
+              <a:t> Cluster number via </a:t>
+            </a:r>
+            <a:r>
+              <a:rPr lang="en-US" sz="1400" dirty="0" err="1"/>
+              <a:t>KMeans</a:t>
+            </a:r>
+            <a:endParaRPr lang="en-SG" sz="1400" dirty="0"/>
+          </a:p>
+        </p:txBody>
+      </p:sp>
+      <p:sp>
+        <p:nvSpPr>
+          <p:cNvPr id="14" name="Arrow: Striped Right 13">
+            <a:extLst>
+              <a:ext uri="{FF2B5EF4-FFF2-40B4-BE49-F238E27FC236}">
+                <a16:creationId xmlns:a16="http://schemas.microsoft.com/office/drawing/2014/main" id="{A595924E-EF65-AE08-86B4-C6F9A01EEA5A}"/>
+              </a:ext>
+            </a:extLst>
+          </p:cNvPr>
+          <p:cNvSpPr/>
+          <p:nvPr/>
+        </p:nvSpPr>
+        <p:spPr>
+          <a:xfrm>
+            <a:off x="4167176" y="647112"/>
+            <a:ext cx="475758" cy="484632"/>
+          </a:xfrm>
+          <a:prstGeom prst="stripedRightArrow">
+            <a:avLst/>
+          </a:prstGeom>
+        </p:spPr>
+        <p:style>
+          <a:lnRef idx="1">
+            <a:schemeClr val="accent4"/>
+          </a:lnRef>
+          <a:fillRef idx="2">
+            <a:schemeClr val="accent4"/>
+          </a:fillRef>
+          <a:effectRef idx="1">
+            <a:schemeClr val="accent4"/>
+          </a:effectRef>
+          <a:fontRef idx="minor">
+            <a:schemeClr val="dk1"/>
+          </a:fontRef>
+        </p:style>
+        <p:txBody>
+          <a:bodyPr rtlCol="0" anchor="ctr"/>
+          <a:lstStyle/>
+          <a:p>
+            <a:pPr algn="ctr"/>
+            <a:endParaRPr lang="en-SG"/>
+          </a:p>
+        </p:txBody>
+      </p:sp>
+      <p:sp>
+        <p:nvSpPr>
+          <p:cNvPr id="15" name="Arrow: Striped Right 14">
+            <a:extLst>
+              <a:ext uri="{FF2B5EF4-FFF2-40B4-BE49-F238E27FC236}">
+                <a16:creationId xmlns:a16="http://schemas.microsoft.com/office/drawing/2014/main" id="{42BA1B51-E4B4-C54D-69C1-B9DB426DB546}"/>
+              </a:ext>
+            </a:extLst>
+          </p:cNvPr>
+          <p:cNvSpPr/>
+          <p:nvPr/>
+        </p:nvSpPr>
+        <p:spPr>
+          <a:xfrm>
+            <a:off x="6371045" y="660811"/>
+            <a:ext cx="475758" cy="484632"/>
+          </a:xfrm>
+          <a:prstGeom prst="stripedRightArrow">
+            <a:avLst/>
+          </a:prstGeom>
+        </p:spPr>
+        <p:style>
+          <a:lnRef idx="1">
+            <a:schemeClr val="accent4"/>
+          </a:lnRef>
+          <a:fillRef idx="2">
+            <a:schemeClr val="accent4"/>
+          </a:fillRef>
+          <a:effectRef idx="1">
+            <a:schemeClr val="accent4"/>
+          </a:effectRef>
+          <a:fontRef idx="minor">
+            <a:schemeClr val="dk1"/>
+          </a:fontRef>
+        </p:style>
+        <p:txBody>
+          <a:bodyPr rtlCol="0" anchor="ctr"/>
+          <a:lstStyle/>
+          <a:p>
+            <a:pPr algn="ctr"/>
+            <a:endParaRPr lang="en-SG"/>
+          </a:p>
+        </p:txBody>
+      </p:sp>
+      <p:sp>
+        <p:nvSpPr>
+          <p:cNvPr id="16" name="Arrow: Striped Right 15">
+            <a:extLst>
+              <a:ext uri="{FF2B5EF4-FFF2-40B4-BE49-F238E27FC236}">
+                <a16:creationId xmlns:a16="http://schemas.microsoft.com/office/drawing/2014/main" id="{A9DB7053-093D-B1B4-C248-C5E199857FDE}"/>
+              </a:ext>
+            </a:extLst>
+          </p:cNvPr>
+          <p:cNvSpPr/>
+          <p:nvPr/>
+        </p:nvSpPr>
+        <p:spPr>
+          <a:xfrm>
+            <a:off x="8061491" y="677367"/>
+            <a:ext cx="475758" cy="484632"/>
+          </a:xfrm>
+          <a:prstGeom prst="stripedRightArrow">
+            <a:avLst/>
+          </a:prstGeom>
+        </p:spPr>
+        <p:style>
+          <a:lnRef idx="1">
+            <a:schemeClr val="accent2"/>
+          </a:lnRef>
+          <a:fillRef idx="2">
+            <a:schemeClr val="accent2"/>
+          </a:fillRef>
+          <a:effectRef idx="1">
+            <a:schemeClr val="accent2"/>
+          </a:effectRef>
+          <a:fontRef idx="minor">
+            <a:schemeClr val="dk1"/>
+          </a:fontRef>
+        </p:style>
+        <p:txBody>
+          <a:bodyPr rtlCol="0" anchor="ctr"/>
+          <a:lstStyle/>
+          <a:p>
+            <a:pPr algn="ctr"/>
+            <a:endParaRPr lang="en-SG"/>
+          </a:p>
+        </p:txBody>
+      </p:sp>
+      <p:sp>
+        <p:nvSpPr>
+          <p:cNvPr id="17" name="Arrow: Striped Right 16">
+            <a:extLst>
+              <a:ext uri="{FF2B5EF4-FFF2-40B4-BE49-F238E27FC236}">
+                <a16:creationId xmlns:a16="http://schemas.microsoft.com/office/drawing/2014/main" id="{63B416BD-DB5F-F00C-5508-85AD42EFA7F6}"/>
+              </a:ext>
+            </a:extLst>
+          </p:cNvPr>
+          <p:cNvSpPr/>
+          <p:nvPr/>
+        </p:nvSpPr>
+        <p:spPr>
+          <a:xfrm>
+            <a:off x="10185522" y="642557"/>
+            <a:ext cx="475758" cy="484632"/>
+          </a:xfrm>
+          <a:prstGeom prst="stripedRightArrow">
+            <a:avLst/>
+          </a:prstGeom>
+        </p:spPr>
+        <p:style>
+          <a:lnRef idx="1">
+            <a:schemeClr val="accent6"/>
+          </a:lnRef>
+          <a:fillRef idx="2">
+            <a:schemeClr val="accent6"/>
+          </a:fillRef>
+          <a:effectRef idx="1">
+            <a:schemeClr val="accent6"/>
+          </a:effectRef>
+          <a:fontRef idx="minor">
+            <a:schemeClr val="dk1"/>
+          </a:fontRef>
+        </p:style>
+        <p:txBody>
+          <a:bodyPr rtlCol="0" anchor="ctr"/>
+          <a:lstStyle/>
+          <a:p>
+            <a:pPr algn="ctr"/>
+            <a:endParaRPr lang="en-SG"/>
+          </a:p>
+        </p:txBody>
+      </p:sp>
+      <p:sp>
+        <p:nvSpPr>
+          <p:cNvPr id="6" name="TextBox 5">
+            <a:extLst>
+              <a:ext uri="{FF2B5EF4-FFF2-40B4-BE49-F238E27FC236}">
+                <a16:creationId xmlns:a16="http://schemas.microsoft.com/office/drawing/2014/main" id="{BB7B8931-3D5A-9888-7DAC-33390CD867DF}"/>
+              </a:ext>
+            </a:extLst>
+          </p:cNvPr>
+          <p:cNvSpPr txBox="1"/>
+          <p:nvPr/>
+        </p:nvSpPr>
+        <p:spPr>
+          <a:xfrm>
+            <a:off x="0" y="6488668"/>
+            <a:ext cx="639919" cy="369332"/>
+          </a:xfrm>
+          <a:prstGeom prst="rect">
+            <a:avLst/>
+          </a:prstGeom>
+          <a:noFill/>
+        </p:spPr>
+        <p:txBody>
+          <a:bodyPr wrap="none" rtlCol="0">
+            <a:spAutoFit/>
+          </a:bodyPr>
+          <a:lstStyle/>
+          <a:p>
+            <a:r>
+              <a:rPr lang="en-US" dirty="0"/>
+              <a:t>SOM</a:t>
+            </a:r>
+            <a:endParaRPr lang="en-SG" dirty="0"/>
+          </a:p>
+        </p:txBody>
+      </p:sp>
+    </p:spTree>
+    <p:extLst>
+      <p:ext uri="{BB962C8B-B14F-4D97-AF65-F5344CB8AC3E}">
+        <p14:creationId xmlns:p14="http://schemas.microsoft.com/office/powerpoint/2010/main" val="1772639167"/>
+      </p:ext>
+    </p:extLst>
+  </p:cSld>
+  <p:clrMapOvr>
+    <a:masterClrMapping/>
+  </p:clrMapOvr>
+</p:sld>
+</file>
+
+<file path=ppt/slides/slide4.xml><?xml version="1.0" encoding="utf-8"?>
+<p:sld xmlns:a="http://schemas.openxmlformats.org/drawingml/2006/main" xmlns:r="http://schemas.openxmlformats.org/officeDocument/2006/relationships" xmlns:p="http://schemas.openxmlformats.org/presentationml/2006/main">
+  <p:cSld>
+    <p:spTree>
+      <p:nvGrpSpPr>
+        <p:cNvPr id="1" name=""/>
+        <p:cNvGrpSpPr/>
+        <p:nvPr/>
+      </p:nvGrpSpPr>
+      <p:grpSpPr>
+        <a:xfrm>
+          <a:off x="0" y="0"/>
+          <a:ext cx="0" cy="0"/>
+          <a:chOff x="0" y="0"/>
+          <a:chExt cx="0" cy="0"/>
+        </a:xfrm>
+      </p:grpSpPr>
+      <p:sp>
+        <p:nvSpPr>
+          <p:cNvPr id="4" name="Diamond 3">
+            <a:extLst>
+              <a:ext uri="{FF2B5EF4-FFF2-40B4-BE49-F238E27FC236}">
+                <a16:creationId xmlns:a16="http://schemas.microsoft.com/office/drawing/2014/main" id="{1A27F0E3-C512-006C-8861-A18FFC9BFDB8}"/>
+              </a:ext>
+            </a:extLst>
+          </p:cNvPr>
+          <p:cNvSpPr/>
+          <p:nvPr/>
+        </p:nvSpPr>
+        <p:spPr>
+          <a:xfrm>
+            <a:off x="251704" y="532236"/>
+            <a:ext cx="1323703" cy="792480"/>
+          </a:xfrm>
+          <a:prstGeom prst="diamond">
+            <a:avLst/>
+          </a:prstGeom>
+        </p:spPr>
+        <p:style>
+          <a:lnRef idx="1">
+            <a:schemeClr val="accent6"/>
+          </a:lnRef>
+          <a:fillRef idx="2">
+            <a:schemeClr val="accent6"/>
+          </a:fillRef>
+          <a:effectRef idx="1">
+            <a:schemeClr val="accent6"/>
+          </a:effectRef>
+          <a:fontRef idx="minor">
+            <a:schemeClr val="dk1"/>
+          </a:fontRef>
+        </p:style>
+        <p:txBody>
+          <a:bodyPr rtlCol="0" anchor="ctr"/>
+          <a:lstStyle/>
+          <a:p>
+            <a:pPr algn="ctr"/>
+            <a:r>
+              <a:rPr lang="en-US" sz="1600" dirty="0"/>
+              <a:t>Start</a:t>
+            </a:r>
+            <a:endParaRPr lang="en-SG" sz="1600" dirty="0"/>
+          </a:p>
+        </p:txBody>
+      </p:sp>
+      <p:sp>
+        <p:nvSpPr>
+          <p:cNvPr id="5" name="Arrow: Striped Right 4">
+            <a:extLst>
+              <a:ext uri="{FF2B5EF4-FFF2-40B4-BE49-F238E27FC236}">
+                <a16:creationId xmlns:a16="http://schemas.microsoft.com/office/drawing/2014/main" id="{9D628087-781F-767F-9304-00984D4A76D4}"/>
+              </a:ext>
+            </a:extLst>
+          </p:cNvPr>
+          <p:cNvSpPr/>
+          <p:nvPr/>
+        </p:nvSpPr>
+        <p:spPr>
+          <a:xfrm>
+            <a:off x="1595951" y="686160"/>
+            <a:ext cx="475758" cy="484632"/>
+          </a:xfrm>
+          <a:prstGeom prst="stripedRightArrow">
+            <a:avLst/>
+          </a:prstGeom>
+        </p:spPr>
+        <p:style>
+          <a:lnRef idx="1">
+            <a:schemeClr val="accent4"/>
+          </a:lnRef>
+          <a:fillRef idx="2">
+            <a:schemeClr val="accent4"/>
+          </a:fillRef>
+          <a:effectRef idx="1">
+            <a:schemeClr val="accent4"/>
+          </a:effectRef>
+          <a:fontRef idx="minor">
+            <a:schemeClr val="dk1"/>
+          </a:fontRef>
+        </p:style>
+        <p:txBody>
+          <a:bodyPr rtlCol="0" anchor="ctr"/>
+          <a:lstStyle/>
+          <a:p>
+            <a:pPr algn="ctr"/>
+            <a:endParaRPr lang="en-SG"/>
+          </a:p>
+        </p:txBody>
+      </p:sp>
+      <p:sp>
+        <p:nvSpPr>
+          <p:cNvPr id="7" name="Rectangle 6">
+            <a:extLst>
+              <a:ext uri="{FF2B5EF4-FFF2-40B4-BE49-F238E27FC236}">
+                <a16:creationId xmlns:a16="http://schemas.microsoft.com/office/drawing/2014/main" id="{6E0E8085-80BA-180D-4B15-418ADEAF168E}"/>
+              </a:ext>
+            </a:extLst>
+          </p:cNvPr>
+          <p:cNvSpPr/>
+          <p:nvPr/>
+        </p:nvSpPr>
+        <p:spPr>
+          <a:xfrm>
+            <a:off x="2158739" y="526284"/>
+            <a:ext cx="1423047" cy="789180"/>
+          </a:xfrm>
+          <a:prstGeom prst="rect">
+            <a:avLst/>
+          </a:prstGeom>
+        </p:spPr>
+        <p:style>
+          <a:lnRef idx="1">
+            <a:schemeClr val="accent4"/>
+          </a:lnRef>
+          <a:fillRef idx="2">
+            <a:schemeClr val="accent4"/>
+          </a:fillRef>
+          <a:effectRef idx="1">
+            <a:schemeClr val="accent4"/>
+          </a:effectRef>
+          <a:fontRef idx="minor">
+            <a:schemeClr val="dk1"/>
+          </a:fontRef>
+        </p:style>
+        <p:txBody>
+          <a:bodyPr rtlCol="0" anchor="ctr"/>
+          <a:lstStyle/>
+          <a:p>
+            <a:pPr algn="ctr"/>
+            <a:r>
+              <a:rPr lang="en-US" sz="1400" dirty="0"/>
+              <a:t>Determine </a:t>
+            </a:r>
+            <a:r>
+              <a:rPr lang="en-US" sz="1400" dirty="0">
+                <a:latin typeface="Symbol" panose="05050102010706020507" pitchFamily="18" charset="2"/>
+              </a:rPr>
+              <a:t>e</a:t>
+            </a:r>
+            <a:r>
+              <a:rPr lang="en-US" sz="1400" dirty="0"/>
+              <a:t> via Knee Plot</a:t>
+            </a:r>
+            <a:endParaRPr lang="en-SG" sz="1400" dirty="0"/>
+          </a:p>
+        </p:txBody>
+      </p:sp>
+      <p:sp>
+        <p:nvSpPr>
+          <p:cNvPr id="9" name="Rectangle 8">
+            <a:extLst>
+              <a:ext uri="{FF2B5EF4-FFF2-40B4-BE49-F238E27FC236}">
+                <a16:creationId xmlns:a16="http://schemas.microsoft.com/office/drawing/2014/main" id="{62D2C7AC-144D-A784-1AD9-C25DC851ED50}"/>
+              </a:ext>
+            </a:extLst>
+          </p:cNvPr>
+          <p:cNvSpPr/>
+          <p:nvPr/>
+        </p:nvSpPr>
+        <p:spPr>
+          <a:xfrm>
+            <a:off x="4219634" y="499076"/>
+            <a:ext cx="1662420" cy="789180"/>
+          </a:xfrm>
+          <a:prstGeom prst="rect">
+            <a:avLst/>
+          </a:prstGeom>
+        </p:spPr>
+        <p:style>
+          <a:lnRef idx="1">
+            <a:schemeClr val="accent4"/>
+          </a:lnRef>
+          <a:fillRef idx="2">
+            <a:schemeClr val="accent4"/>
+          </a:fillRef>
+          <a:effectRef idx="1">
+            <a:schemeClr val="accent4"/>
+          </a:effectRef>
+          <a:fontRef idx="minor">
+            <a:schemeClr val="dk1"/>
+          </a:fontRef>
+        </p:style>
+        <p:txBody>
+          <a:bodyPr rtlCol="0" anchor="ctr"/>
+          <a:lstStyle/>
+          <a:p>
+            <a:pPr algn="ctr"/>
+            <a:r>
+              <a:rPr lang="en-US" sz="1400" dirty="0"/>
+              <a:t>DBSCAN </a:t>
+            </a:r>
+          </a:p>
+          <a:p>
+            <a:pPr algn="ctr"/>
+            <a:r>
+              <a:rPr lang="en-US" sz="1400" dirty="0"/>
+              <a:t>(user defined </a:t>
+            </a:r>
+            <a:r>
+              <a:rPr lang="en-US" sz="1400" dirty="0">
+                <a:latin typeface="Symbol" panose="05050102010706020507" pitchFamily="18" charset="2"/>
+              </a:rPr>
+              <a:t>s, e</a:t>
+            </a:r>
+            <a:r>
+              <a:rPr lang="en-US" sz="1400" dirty="0">
+                <a:latin typeface="+mj-lt"/>
+              </a:rPr>
+              <a:t> </a:t>
+            </a:r>
+            <a:r>
+              <a:rPr lang="en-US" sz="1400" dirty="0"/>
+              <a:t>determined earlier)</a:t>
+            </a:r>
+            <a:endParaRPr lang="en-SG" sz="1400" dirty="0"/>
+          </a:p>
+        </p:txBody>
+      </p:sp>
+      <p:sp>
+        <p:nvSpPr>
+          <p:cNvPr id="12" name="Diamond 11">
+            <a:extLst>
+              <a:ext uri="{FF2B5EF4-FFF2-40B4-BE49-F238E27FC236}">
+                <a16:creationId xmlns:a16="http://schemas.microsoft.com/office/drawing/2014/main" id="{D0E3796E-B460-DCA8-54DE-EBB9673DB3F5}"/>
+              </a:ext>
+            </a:extLst>
+          </p:cNvPr>
+          <p:cNvSpPr/>
+          <p:nvPr/>
+        </p:nvSpPr>
+        <p:spPr>
+          <a:xfrm>
+            <a:off x="8651440" y="526284"/>
+            <a:ext cx="1323703" cy="792480"/>
+          </a:xfrm>
+          <a:prstGeom prst="diamond">
+            <a:avLst/>
+          </a:prstGeom>
+        </p:spPr>
+        <p:style>
+          <a:lnRef idx="1">
+            <a:schemeClr val="accent5"/>
+          </a:lnRef>
+          <a:fillRef idx="2">
+            <a:schemeClr val="accent5"/>
+          </a:fillRef>
+          <a:effectRef idx="1">
+            <a:schemeClr val="accent5"/>
+          </a:effectRef>
+          <a:fontRef idx="minor">
+            <a:schemeClr val="dk1"/>
+          </a:fontRef>
+        </p:style>
+        <p:txBody>
+          <a:bodyPr rtlCol="0" anchor="ctr"/>
+          <a:lstStyle/>
+          <a:p>
+            <a:pPr algn="ctr"/>
+            <a:r>
+              <a:rPr lang="en-US" sz="1600" dirty="0"/>
+              <a:t>End</a:t>
+            </a:r>
+            <a:endParaRPr lang="en-SG" sz="1600" dirty="0"/>
+          </a:p>
+        </p:txBody>
+      </p:sp>
+      <p:sp>
+        <p:nvSpPr>
+          <p:cNvPr id="13" name="Flowchart: Terminator 12">
+            <a:extLst>
+              <a:ext uri="{FF2B5EF4-FFF2-40B4-BE49-F238E27FC236}">
+                <a16:creationId xmlns:a16="http://schemas.microsoft.com/office/drawing/2014/main" id="{9001A018-120F-3605-2B28-D5BC935E0144}"/>
+              </a:ext>
+            </a:extLst>
+          </p:cNvPr>
+          <p:cNvSpPr/>
+          <p:nvPr/>
+        </p:nvSpPr>
+        <p:spPr>
+          <a:xfrm>
+            <a:off x="6519900" y="502845"/>
+            <a:ext cx="1493694" cy="785411"/>
+          </a:xfrm>
+          <a:prstGeom prst="flowChartTerminator">
+            <a:avLst/>
+          </a:prstGeom>
+        </p:spPr>
+        <p:style>
+          <a:lnRef idx="1">
+            <a:schemeClr val="accent2"/>
+          </a:lnRef>
+          <a:fillRef idx="2">
+            <a:schemeClr val="accent2"/>
+          </a:fillRef>
+          <a:effectRef idx="1">
+            <a:schemeClr val="accent2"/>
+          </a:effectRef>
+          <a:fontRef idx="minor">
+            <a:schemeClr val="dk1"/>
+          </a:fontRef>
+        </p:style>
+        <p:txBody>
+          <a:bodyPr rtlCol="0" anchor="ctr"/>
+          <a:lstStyle/>
+          <a:p>
+            <a:pPr algn="ctr"/>
+            <a:r>
+              <a:rPr lang="en-US" sz="1400" dirty="0" err="1"/>
+              <a:t>Optimise</a:t>
+            </a:r>
+            <a:r>
+              <a:rPr lang="en-US" sz="1400" dirty="0"/>
+              <a:t> Clusters</a:t>
+            </a:r>
+            <a:endParaRPr lang="en-SG" sz="1400" dirty="0"/>
+          </a:p>
+        </p:txBody>
+      </p:sp>
+      <p:sp>
+        <p:nvSpPr>
+          <p:cNvPr id="14" name="Arrow: Striped Right 13">
+            <a:extLst>
+              <a:ext uri="{FF2B5EF4-FFF2-40B4-BE49-F238E27FC236}">
+                <a16:creationId xmlns:a16="http://schemas.microsoft.com/office/drawing/2014/main" id="{A595924E-EF65-AE08-86B4-C6F9A01EEA5A}"/>
+              </a:ext>
+            </a:extLst>
+          </p:cNvPr>
+          <p:cNvSpPr/>
+          <p:nvPr/>
+        </p:nvSpPr>
+        <p:spPr>
+          <a:xfrm>
+            <a:off x="3662831" y="673138"/>
+            <a:ext cx="475758" cy="484632"/>
+          </a:xfrm>
+          <a:prstGeom prst="stripedRightArrow">
+            <a:avLst/>
+          </a:prstGeom>
+        </p:spPr>
+        <p:style>
+          <a:lnRef idx="1">
+            <a:schemeClr val="accent4"/>
+          </a:lnRef>
+          <a:fillRef idx="2">
+            <a:schemeClr val="accent4"/>
+          </a:fillRef>
+          <a:effectRef idx="1">
+            <a:schemeClr val="accent4"/>
+          </a:effectRef>
+          <a:fontRef idx="minor">
+            <a:schemeClr val="dk1"/>
+          </a:fontRef>
+        </p:style>
+        <p:txBody>
+          <a:bodyPr rtlCol="0" anchor="ctr"/>
+          <a:lstStyle/>
+          <a:p>
+            <a:pPr algn="ctr"/>
+            <a:endParaRPr lang="en-SG"/>
+          </a:p>
+        </p:txBody>
+      </p:sp>
+      <p:sp>
+        <p:nvSpPr>
+          <p:cNvPr id="15" name="Arrow: Striped Right 14">
+            <a:extLst>
+              <a:ext uri="{FF2B5EF4-FFF2-40B4-BE49-F238E27FC236}">
+                <a16:creationId xmlns:a16="http://schemas.microsoft.com/office/drawing/2014/main" id="{42BA1B51-E4B4-C54D-69C1-B9DB426DB546}"/>
+              </a:ext>
+            </a:extLst>
+          </p:cNvPr>
+          <p:cNvSpPr/>
+          <p:nvPr/>
+        </p:nvSpPr>
+        <p:spPr>
+          <a:xfrm>
+            <a:off x="5963098" y="673138"/>
+            <a:ext cx="475758" cy="484632"/>
+          </a:xfrm>
+          <a:prstGeom prst="stripedRightArrow">
+            <a:avLst/>
+          </a:prstGeom>
+        </p:spPr>
+        <p:style>
+          <a:lnRef idx="1">
+            <a:schemeClr val="accent4"/>
+          </a:lnRef>
+          <a:fillRef idx="2">
+            <a:schemeClr val="accent4"/>
+          </a:fillRef>
+          <a:effectRef idx="1">
+            <a:schemeClr val="accent4"/>
+          </a:effectRef>
+          <a:fontRef idx="minor">
+            <a:schemeClr val="dk1"/>
+          </a:fontRef>
+        </p:style>
+        <p:txBody>
+          <a:bodyPr rtlCol="0" anchor="ctr"/>
+          <a:lstStyle/>
+          <a:p>
+            <a:pPr algn="ctr"/>
+            <a:endParaRPr lang="en-SG"/>
+          </a:p>
+        </p:txBody>
+      </p:sp>
+      <p:sp>
+        <p:nvSpPr>
+          <p:cNvPr id="17" name="Arrow: Striped Right 16">
+            <a:extLst>
+              <a:ext uri="{FF2B5EF4-FFF2-40B4-BE49-F238E27FC236}">
+                <a16:creationId xmlns:a16="http://schemas.microsoft.com/office/drawing/2014/main" id="{63B416BD-DB5F-F00C-5508-85AD42EFA7F6}"/>
+              </a:ext>
+            </a:extLst>
+          </p:cNvPr>
+          <p:cNvSpPr/>
+          <p:nvPr/>
+        </p:nvSpPr>
+        <p:spPr>
+          <a:xfrm>
+            <a:off x="8094638" y="667907"/>
+            <a:ext cx="475758" cy="484632"/>
+          </a:xfrm>
+          <a:prstGeom prst="stripedRightArrow">
+            <a:avLst/>
+          </a:prstGeom>
+        </p:spPr>
+        <p:style>
+          <a:lnRef idx="1">
+            <a:schemeClr val="accent6"/>
+          </a:lnRef>
+          <a:fillRef idx="2">
+            <a:schemeClr val="accent6"/>
+          </a:fillRef>
+          <a:effectRef idx="1">
+            <a:schemeClr val="accent6"/>
+          </a:effectRef>
+          <a:fontRef idx="minor">
+            <a:schemeClr val="dk1"/>
+          </a:fontRef>
+        </p:style>
+        <p:txBody>
+          <a:bodyPr rtlCol="0" anchor="ctr"/>
+          <a:lstStyle/>
+          <a:p>
+            <a:pPr algn="ctr"/>
+            <a:endParaRPr lang="en-SG"/>
+          </a:p>
+        </p:txBody>
+      </p:sp>
+      <p:sp>
+        <p:nvSpPr>
+          <p:cNvPr id="6" name="TextBox 5">
+            <a:extLst>
+              <a:ext uri="{FF2B5EF4-FFF2-40B4-BE49-F238E27FC236}">
+                <a16:creationId xmlns:a16="http://schemas.microsoft.com/office/drawing/2014/main" id="{BB7B8931-3D5A-9888-7DAC-33390CD867DF}"/>
+              </a:ext>
+            </a:extLst>
+          </p:cNvPr>
+          <p:cNvSpPr txBox="1"/>
+          <p:nvPr/>
+        </p:nvSpPr>
+        <p:spPr>
+          <a:xfrm>
+            <a:off x="0" y="6488668"/>
+            <a:ext cx="639919" cy="369332"/>
+          </a:xfrm>
+          <a:prstGeom prst="rect">
+            <a:avLst/>
+          </a:prstGeom>
+          <a:noFill/>
+        </p:spPr>
+        <p:txBody>
+          <a:bodyPr wrap="none" rtlCol="0">
+            <a:spAutoFit/>
+          </a:bodyPr>
+          <a:lstStyle/>
+          <a:p>
+            <a:r>
+              <a:rPr lang="en-US" dirty="0"/>
+              <a:t>SOM</a:t>
+            </a:r>
+            <a:endParaRPr lang="en-SG" dirty="0"/>
+          </a:p>
+        </p:txBody>
+      </p:sp>
+    </p:spTree>
+    <p:extLst>
+      <p:ext uri="{BB962C8B-B14F-4D97-AF65-F5344CB8AC3E}">
+        <p14:creationId xmlns:p14="http://schemas.microsoft.com/office/powerpoint/2010/main" val="3874147192"/>
+      </p:ext>
+    </p:extLst>
+  </p:cSld>
+  <p:clrMapOvr>
+    <a:masterClrMapping/>
+  </p:clrMapOvr>
+</p:sld>
+</file>
+
 <file path=ppt/theme/theme1.xml><?xml version="1.0" encoding="utf-8"?>
 <a:theme xmlns:a="http://schemas.openxmlformats.org/drawingml/2006/main" name="Office Theme">
   <a:themeElements>
